--- a/documentation/team-x-presentation.pptx
+++ b/documentation/team-x-presentation.pptx
@@ -260,7 +260,7 @@
           <a:p>
             <a:fld id="{3E104224-5F53-4681-B114-4FDA2DEB297A}" type="datetimeFigureOut">
               <a:rPr lang="bg-BG" smtClean="0"/>
-              <a:t>23.11.2024 г.</a:t>
+              <a:t>24.11.2024 г.</a:t>
             </a:fld>
             <a:endParaRPr lang="bg-BG"/>
           </a:p>
@@ -440,7 +440,7 @@
           <a:p>
             <a:fld id="{3E104224-5F53-4681-B114-4FDA2DEB297A}" type="datetimeFigureOut">
               <a:rPr lang="bg-BG" smtClean="0"/>
-              <a:t>23.11.2024 г.</a:t>
+              <a:t>24.11.2024 г.</a:t>
             </a:fld>
             <a:endParaRPr lang="bg-BG"/>
           </a:p>
@@ -630,7 +630,7 @@
           <a:p>
             <a:fld id="{3E104224-5F53-4681-B114-4FDA2DEB297A}" type="datetimeFigureOut">
               <a:rPr lang="bg-BG" smtClean="0"/>
-              <a:t>23.11.2024 г.</a:t>
+              <a:t>24.11.2024 г.</a:t>
             </a:fld>
             <a:endParaRPr lang="bg-BG"/>
           </a:p>
@@ -810,7 +810,7 @@
           <a:p>
             <a:fld id="{3E104224-5F53-4681-B114-4FDA2DEB297A}" type="datetimeFigureOut">
               <a:rPr lang="bg-BG" smtClean="0"/>
-              <a:t>23.11.2024 г.</a:t>
+              <a:t>24.11.2024 г.</a:t>
             </a:fld>
             <a:endParaRPr lang="bg-BG"/>
           </a:p>
@@ -1067,7 +1067,7 @@
           <a:p>
             <a:fld id="{3E104224-5F53-4681-B114-4FDA2DEB297A}" type="datetimeFigureOut">
               <a:rPr lang="bg-BG" smtClean="0"/>
-              <a:t>23.11.2024 г.</a:t>
+              <a:t>24.11.2024 г.</a:t>
             </a:fld>
             <a:endParaRPr lang="bg-BG"/>
           </a:p>
@@ -1308,7 +1308,7 @@
           <a:p>
             <a:fld id="{3E104224-5F53-4681-B114-4FDA2DEB297A}" type="datetimeFigureOut">
               <a:rPr lang="bg-BG" smtClean="0"/>
-              <a:t>23.11.2024 г.</a:t>
+              <a:t>24.11.2024 г.</a:t>
             </a:fld>
             <a:endParaRPr lang="bg-BG"/>
           </a:p>
@@ -1684,7 +1684,7 @@
           <a:p>
             <a:fld id="{3E104224-5F53-4681-B114-4FDA2DEB297A}" type="datetimeFigureOut">
               <a:rPr lang="bg-BG" smtClean="0"/>
-              <a:t>23.11.2024 г.</a:t>
+              <a:t>24.11.2024 г.</a:t>
             </a:fld>
             <a:endParaRPr lang="bg-BG"/>
           </a:p>
@@ -1813,7 +1813,7 @@
           <a:p>
             <a:fld id="{3E104224-5F53-4681-B114-4FDA2DEB297A}" type="datetimeFigureOut">
               <a:rPr lang="bg-BG" smtClean="0"/>
-              <a:t>23.11.2024 г.</a:t>
+              <a:t>24.11.2024 г.</a:t>
             </a:fld>
             <a:endParaRPr lang="bg-BG"/>
           </a:p>
@@ -1920,7 +1920,7 @@
           <a:p>
             <a:fld id="{3E104224-5F53-4681-B114-4FDA2DEB297A}" type="datetimeFigureOut">
               <a:rPr lang="bg-BG" smtClean="0"/>
-              <a:t>23.11.2024 г.</a:t>
+              <a:t>24.11.2024 г.</a:t>
             </a:fld>
             <a:endParaRPr lang="bg-BG"/>
           </a:p>
@@ -2207,7 +2207,7 @@
           <a:p>
             <a:fld id="{3E104224-5F53-4681-B114-4FDA2DEB297A}" type="datetimeFigureOut">
               <a:rPr lang="bg-BG" smtClean="0"/>
-              <a:t>23.11.2024 г.</a:t>
+              <a:t>24.11.2024 г.</a:t>
             </a:fld>
             <a:endParaRPr lang="bg-BG"/>
           </a:p>
@@ -2471,7 +2471,7 @@
           <a:p>
             <a:fld id="{3E104224-5F53-4681-B114-4FDA2DEB297A}" type="datetimeFigureOut">
               <a:rPr lang="bg-BG" smtClean="0"/>
-              <a:t>23.11.2024 г.</a:t>
+              <a:t>24.11.2024 г.</a:t>
             </a:fld>
             <a:endParaRPr lang="bg-BG"/>
           </a:p>
@@ -2697,7 +2697,7 @@
           <a:p>
             <a:fld id="{3E104224-5F53-4681-B114-4FDA2DEB297A}" type="datetimeFigureOut">
               <a:rPr lang="bg-BG" smtClean="0"/>
-              <a:t>23.11.2024 г.</a:t>
+              <a:t>24.11.2024 г.</a:t>
             </a:fld>
             <a:endParaRPr lang="bg-BG"/>
           </a:p>
@@ -3378,7 +3378,7 @@
                 <a:latin typeface="Consolas" panose="020B0609020204030204" pitchFamily="49" charset="0"/>
                 <a:cs typeface="Cascadia Mono" panose="020B0609020000020004" pitchFamily="49" charset="0"/>
               </a:rPr>
-              <a:t>Distributing the tasks</a:t>
+              <a:t>Distribute the tasks</a:t>
             </a:r>
           </a:p>
           <a:p>
@@ -4359,7 +4359,7 @@
           </p:nvPr>
         </p:nvPicPr>
         <p:blipFill>
-          <a:blip r:embed="rId2">
+          <a:blip r:embed="rId2" cstate="print">
             <a:extLst>
               <a:ext uri="{28A0092B-C50C-407E-A947-70E740481C1C}">
                 <a14:useLocalDpi xmlns:a14="http://schemas.microsoft.com/office/drawing/2010/main" val="0"/>
@@ -4599,7 +4599,7 @@
           <p:nvPr/>
         </p:nvPicPr>
         <p:blipFill>
-          <a:blip r:embed="rId5">
+          <a:blip r:embed="rId5" cstate="print">
             <a:extLst>
               <a:ext uri="{28A0092B-C50C-407E-A947-70E740481C1C}">
                 <a14:useLocalDpi xmlns:a14="http://schemas.microsoft.com/office/drawing/2010/main" val="0"/>
@@ -4723,7 +4723,7 @@
           <p:nvPr/>
         </p:nvPicPr>
         <p:blipFill>
-          <a:blip r:embed="rId6">
+          <a:blip r:embed="rId6" cstate="print">
             <a:extLst>
               <a:ext uri="{28A0092B-C50C-407E-A947-70E740481C1C}">
                 <a14:useLocalDpi xmlns:a14="http://schemas.microsoft.com/office/drawing/2010/main" val="0"/>
@@ -5147,7 +5147,7 @@
           <a:lstStyle/>
           <a:p>
             <a:r>
-              <a:rPr lang="en-US" sz="2300" b="1" dirty="0">
+              <a:rPr lang="en-US" sz="2600" b="1" dirty="0">
                 <a:latin typeface="Consolas"/>
               </a:rPr>
               <a:t>Our team decided to recreate a simple, yet entertaining game, named Wordle. In this game you get three, five or eight attempts (depending on the mode you choose) to guess a five-letter word.</a:t>
@@ -5183,143 +5183,6 @@
           <a:prstGeom prst="rect">
             <a:avLst/>
           </a:prstGeom>
-        </p:spPr>
-      </p:pic>
-      <p:sp>
-        <p:nvSpPr>
-          <p:cNvPr id="2" name="TextBox 1">
-            <a:extLst>
-              <a:ext uri="{FF2B5EF4-FFF2-40B4-BE49-F238E27FC236}">
-                <a16:creationId xmlns:a16="http://schemas.microsoft.com/office/drawing/2014/main" id="{6A33BCC9-AC88-4F22-AB2C-3D384518CAA9}"/>
-              </a:ext>
-            </a:extLst>
-          </p:cNvPr>
-          <p:cNvSpPr txBox="1"/>
-          <p:nvPr/>
-        </p:nvSpPr>
-        <p:spPr>
-          <a:xfrm>
-            <a:off x="7751902" y="5998737"/>
-            <a:ext cx="2694124" cy="369332"/>
-          </a:xfrm>
-          <a:prstGeom prst="rect">
-            <a:avLst/>
-          </a:prstGeom>
-          <a:noFill/>
-        </p:spPr>
-        <p:txBody>
-          <a:bodyPr wrap="square" rtlCol="0">
-            <a:spAutoFit/>
-          </a:bodyPr>
-          <a:lstStyle/>
-          <a:p>
-            <a:r>
-              <a:rPr lang="en-US" b="1" dirty="0">
-                <a:solidFill>
-                  <a:srgbClr val="1D1D1D"/>
-                </a:solidFill>
-                <a:latin typeface="Consolas" panose="020B0609020204030204" pitchFamily="49" charset="0"/>
-                <a:cs typeface="Cascadia Mono" panose="020B0609020000020004" pitchFamily="49" charset="0"/>
-              </a:rPr>
-              <a:t>Work in progress</a:t>
-            </a:r>
-            <a:endParaRPr lang="ru-RU" b="1" dirty="0">
-              <a:solidFill>
-                <a:srgbClr val="1D1D1D"/>
-              </a:solidFill>
-              <a:latin typeface="Consolas" panose="020B0609020204030204" pitchFamily="49" charset="0"/>
-              <a:cs typeface="Cascadia Mono" panose="020B0609020000020004" pitchFamily="49" charset="0"/>
-            </a:endParaRPr>
-          </a:p>
-        </p:txBody>
-      </p:sp>
-      <p:sp>
-        <p:nvSpPr>
-          <p:cNvPr id="6" name="Прямоугольник 5">
-            <a:extLst>
-              <a:ext uri="{FF2B5EF4-FFF2-40B4-BE49-F238E27FC236}">
-                <a16:creationId xmlns:a16="http://schemas.microsoft.com/office/drawing/2014/main" id="{A0AA4158-97D0-402E-8D51-6ED127541753}"/>
-              </a:ext>
-            </a:extLst>
-          </p:cNvPr>
-          <p:cNvSpPr/>
-          <p:nvPr/>
-        </p:nvSpPr>
-        <p:spPr>
-          <a:xfrm>
-            <a:off x="7751902" y="5968267"/>
-            <a:ext cx="2345635" cy="389505"/>
-          </a:xfrm>
-          <a:prstGeom prst="rect">
-            <a:avLst/>
-          </a:prstGeom>
-          <a:noFill/>
-          <a:ln>
-            <a:solidFill>
-              <a:schemeClr val="accent1"/>
-            </a:solidFill>
-          </a:ln>
-        </p:spPr>
-        <p:style>
-          <a:lnRef idx="2">
-            <a:schemeClr val="accent1">
-              <a:shade val="50000"/>
-            </a:schemeClr>
-          </a:lnRef>
-          <a:fillRef idx="1">
-            <a:schemeClr val="accent1"/>
-          </a:fillRef>
-          <a:effectRef idx="0">
-            <a:schemeClr val="accent1"/>
-          </a:effectRef>
-          <a:fontRef idx="minor">
-            <a:schemeClr val="lt1"/>
-          </a:fontRef>
-        </p:style>
-        <p:txBody>
-          <a:bodyPr rtlCol="0" anchor="ctr"/>
-          <a:lstStyle/>
-          <a:p>
-            <a:pPr algn="ctr"/>
-            <a:endParaRPr lang="ru-RU"/>
-          </a:p>
-        </p:txBody>
-      </p:sp>
-      <p:pic>
-        <p:nvPicPr>
-          <p:cNvPr id="8" name="Рисунок 7">
-            <a:extLst>
-              <a:ext uri="{FF2B5EF4-FFF2-40B4-BE49-F238E27FC236}">
-                <a16:creationId xmlns:a16="http://schemas.microsoft.com/office/drawing/2014/main" id="{6568233D-432F-4A68-B41F-D0170786AE12}"/>
-              </a:ext>
-            </a:extLst>
-          </p:cNvPr>
-          <p:cNvPicPr>
-            <a:picLocks noChangeAspect="1"/>
-          </p:cNvPicPr>
-          <p:nvPr/>
-        </p:nvPicPr>
-        <p:blipFill>
-          <a:blip r:embed="rId3"/>
-          <a:stretch>
-            <a:fillRect/>
-          </a:stretch>
-        </p:blipFill>
-        <p:spPr>
-          <a:xfrm>
-            <a:off x="4611914" y="3104750"/>
-            <a:ext cx="5506218" cy="2600688"/>
-          </a:xfrm>
-          <a:prstGeom prst="rect">
-            <a:avLst/>
-          </a:prstGeom>
-          <a:effectLst>
-            <a:outerShdw dist="88900" dir="3300000" algn="tl" rotWithShape="0">
-              <a:srgbClr val="0C0A9E">
-                <a:alpha val="50000"/>
-              </a:srgbClr>
-            </a:outerShdw>
-          </a:effectLst>
         </p:spPr>
       </p:pic>
     </p:spTree>
@@ -5668,7 +5531,7 @@
           <p:nvPr/>
         </p:nvPicPr>
         <p:blipFill>
-          <a:blip r:embed="rId3">
+          <a:blip r:embed="rId3" cstate="print">
             <a:extLst>
               <a:ext uri="{28A0092B-C50C-407E-A947-70E740481C1C}">
                 <a14:useLocalDpi xmlns:a14="http://schemas.microsoft.com/office/drawing/2010/main" val="0"/>
@@ -5724,7 +5587,7 @@
           <p:nvPr/>
         </p:nvPicPr>
         <p:blipFill>
-          <a:blip r:embed="rId4">
+          <a:blip r:embed="rId4" cstate="print">
             <a:extLst>
               <a:ext uri="{28A0092B-C50C-407E-A947-70E740481C1C}">
                 <a14:useLocalDpi xmlns:a14="http://schemas.microsoft.com/office/drawing/2010/main" val="0"/>
@@ -5778,7 +5641,7 @@
           <p:nvPr/>
         </p:nvPicPr>
         <p:blipFill>
-          <a:blip r:embed="rId5">
+          <a:blip r:embed="rId5" cstate="print">
             <a:extLst>
               <a:ext uri="{28A0092B-C50C-407E-A947-70E740481C1C}">
                 <a14:useLocalDpi xmlns:a14="http://schemas.microsoft.com/office/drawing/2010/main" val="0"/>
@@ -5832,7 +5695,7 @@
           <p:nvPr/>
         </p:nvPicPr>
         <p:blipFill>
-          <a:blip r:embed="rId6">
+          <a:blip r:embed="rId6" cstate="print">
             <a:extLst>
               <a:ext uri="{28A0092B-C50C-407E-A947-70E740481C1C}">
                 <a14:useLocalDpi xmlns:a14="http://schemas.microsoft.com/office/drawing/2010/main" val="0"/>
@@ -5886,7 +5749,7 @@
           <p:nvPr/>
         </p:nvPicPr>
         <p:blipFill>
-          <a:blip r:embed="rId7">
+          <a:blip r:embed="rId7" cstate="print">
             <a:extLst>
               <a:ext uri="{28A0092B-C50C-407E-A947-70E740481C1C}">
                 <a14:useLocalDpi xmlns:a14="http://schemas.microsoft.com/office/drawing/2010/main" val="0"/>
